--- a/讚美之泉(崇拜版).pptx
+++ b/讚美之泉(崇拜版).pptx
@@ -8,7 +8,7 @@
     <p:sldId id="256" r:id="rId2"/>
     <p:sldId id="257" r:id="rId3"/>
   </p:sldIdLst>
-  <p:sldSz cx="9144000" cy="6858000" type="screen4x3"/>
+  <p:sldSz cx="9144000" cy="5143500" type="screen16x9"/>
   <p:notesSz cx="6858000" cy="9144000"/>
   <p:defaultTextStyle>
     <a:defPPr>
@@ -137,8 +137,8 @@
         </p:nvSpPr>
         <p:spPr>
           <a:xfrm>
-            <a:off x="685800" y="2130425"/>
-            <a:ext cx="7772400" cy="1470025"/>
+            <a:off x="685800" y="1597819"/>
+            <a:ext cx="7772400" cy="1102519"/>
           </a:xfrm>
         </p:spPr>
         <p:txBody>
@@ -165,8 +165,8 @@
         </p:nvSpPr>
         <p:spPr>
           <a:xfrm>
-            <a:off x="1371600" y="3886200"/>
-            <a:ext cx="6400800" cy="1752600"/>
+            <a:off x="1371600" y="2914650"/>
+            <a:ext cx="6400800" cy="1314450"/>
           </a:xfrm>
         </p:spPr>
         <p:txBody>
@@ -289,7 +289,7 @@
           <a:p>
             <a:fld id="{3EB72CF3-F9D6-4BC3-8DD7-E7C0861F26F4}" type="datetimeFigureOut">
               <a:rPr lang="zh-TW" altLang="en-US" smtClean="0"/>
-              <a:t>2018/1/13</a:t>
+              <a:t>2019/8/24</a:t>
             </a:fld>
             <a:endParaRPr lang="zh-TW" altLang="en-US"/>
           </a:p>
@@ -454,7 +454,7 @@
           <a:p>
             <a:fld id="{3EB72CF3-F9D6-4BC3-8DD7-E7C0861F26F4}" type="datetimeFigureOut">
               <a:rPr lang="zh-TW" altLang="en-US" smtClean="0"/>
-              <a:t>2018/1/13</a:t>
+              <a:t>2019/8/24</a:t>
             </a:fld>
             <a:endParaRPr lang="zh-TW" altLang="en-US"/>
           </a:p>
@@ -539,8 +539,8 @@
         </p:nvSpPr>
         <p:spPr>
           <a:xfrm>
-            <a:off x="6629400" y="274638"/>
-            <a:ext cx="2057400" cy="5851525"/>
+            <a:off x="6629400" y="205979"/>
+            <a:ext cx="2057400" cy="4388644"/>
           </a:xfrm>
         </p:spPr>
         <p:txBody>
@@ -567,8 +567,8 @@
         </p:nvSpPr>
         <p:spPr>
           <a:xfrm>
-            <a:off x="457200" y="274638"/>
-            <a:ext cx="6019800" cy="5851525"/>
+            <a:off x="457200" y="205979"/>
+            <a:ext cx="6019800" cy="4388644"/>
           </a:xfrm>
         </p:spPr>
         <p:txBody>
@@ -629,7 +629,7 @@
           <a:p>
             <a:fld id="{3EB72CF3-F9D6-4BC3-8DD7-E7C0861F26F4}" type="datetimeFigureOut">
               <a:rPr lang="zh-TW" altLang="en-US" smtClean="0"/>
-              <a:t>2018/1/13</a:t>
+              <a:t>2019/8/24</a:t>
             </a:fld>
             <a:endParaRPr lang="zh-TW" altLang="en-US"/>
           </a:p>
@@ -794,7 +794,7 @@
           <a:p>
             <a:fld id="{3EB72CF3-F9D6-4BC3-8DD7-E7C0861F26F4}" type="datetimeFigureOut">
               <a:rPr lang="zh-TW" altLang="en-US" smtClean="0"/>
-              <a:t>2018/1/13</a:t>
+              <a:t>2019/8/24</a:t>
             </a:fld>
             <a:endParaRPr lang="zh-TW" altLang="en-US"/>
           </a:p>
@@ -879,8 +879,8 @@
         </p:nvSpPr>
         <p:spPr>
           <a:xfrm>
-            <a:off x="722313" y="4406900"/>
-            <a:ext cx="7772400" cy="1362075"/>
+            <a:off x="722313" y="3305176"/>
+            <a:ext cx="7772400" cy="1021556"/>
           </a:xfrm>
         </p:spPr>
         <p:txBody>
@@ -911,8 +911,8 @@
         </p:nvSpPr>
         <p:spPr>
           <a:xfrm>
-            <a:off x="722313" y="2906713"/>
-            <a:ext cx="7772400" cy="1500187"/>
+            <a:off x="722313" y="2180035"/>
+            <a:ext cx="7772400" cy="1125140"/>
           </a:xfrm>
         </p:spPr>
         <p:txBody>
@@ -1035,7 +1035,7 @@
           <a:p>
             <a:fld id="{3EB72CF3-F9D6-4BC3-8DD7-E7C0861F26F4}" type="datetimeFigureOut">
               <a:rPr lang="zh-TW" altLang="en-US" smtClean="0"/>
-              <a:t>2018/1/13</a:t>
+              <a:t>2019/8/24</a:t>
             </a:fld>
             <a:endParaRPr lang="zh-TW" altLang="en-US"/>
           </a:p>
@@ -1143,8 +1143,8 @@
         </p:nvSpPr>
         <p:spPr>
           <a:xfrm>
-            <a:off x="457200" y="1600200"/>
-            <a:ext cx="4038600" cy="4525963"/>
+            <a:off x="457200" y="1200151"/>
+            <a:ext cx="4038600" cy="3394472"/>
           </a:xfrm>
         </p:spPr>
         <p:txBody>
@@ -1228,8 +1228,8 @@
         </p:nvSpPr>
         <p:spPr>
           <a:xfrm>
-            <a:off x="4648200" y="1600200"/>
-            <a:ext cx="4038600" cy="4525963"/>
+            <a:off x="4648200" y="1200151"/>
+            <a:ext cx="4038600" cy="3394472"/>
           </a:xfrm>
         </p:spPr>
         <p:txBody>
@@ -1318,7 +1318,7 @@
           <a:p>
             <a:fld id="{3EB72CF3-F9D6-4BC3-8DD7-E7C0861F26F4}" type="datetimeFigureOut">
               <a:rPr lang="zh-TW" altLang="en-US" smtClean="0"/>
-              <a:t>2018/1/13</a:t>
+              <a:t>2019/8/24</a:t>
             </a:fld>
             <a:endParaRPr lang="zh-TW" altLang="en-US"/>
           </a:p>
@@ -1430,8 +1430,8 @@
         </p:nvSpPr>
         <p:spPr>
           <a:xfrm>
-            <a:off x="457200" y="1535113"/>
-            <a:ext cx="4040188" cy="639762"/>
+            <a:off x="457200" y="1151335"/>
+            <a:ext cx="4040188" cy="479822"/>
           </a:xfrm>
         </p:spPr>
         <p:txBody>
@@ -1495,8 +1495,8 @@
         </p:nvSpPr>
         <p:spPr>
           <a:xfrm>
-            <a:off x="457200" y="2174875"/>
-            <a:ext cx="4040188" cy="3951288"/>
+            <a:off x="457200" y="1631156"/>
+            <a:ext cx="4040188" cy="2963466"/>
           </a:xfrm>
         </p:spPr>
         <p:txBody>
@@ -1580,8 +1580,8 @@
         </p:nvSpPr>
         <p:spPr>
           <a:xfrm>
-            <a:off x="4645025" y="1535113"/>
-            <a:ext cx="4041775" cy="639762"/>
+            <a:off x="4645026" y="1151335"/>
+            <a:ext cx="4041775" cy="479822"/>
           </a:xfrm>
         </p:spPr>
         <p:txBody>
@@ -1645,8 +1645,8 @@
         </p:nvSpPr>
         <p:spPr>
           <a:xfrm>
-            <a:off x="4645025" y="2174875"/>
-            <a:ext cx="4041775" cy="3951288"/>
+            <a:off x="4645026" y="1631156"/>
+            <a:ext cx="4041775" cy="2963466"/>
           </a:xfrm>
         </p:spPr>
         <p:txBody>
@@ -1735,7 +1735,7 @@
           <a:p>
             <a:fld id="{3EB72CF3-F9D6-4BC3-8DD7-E7C0861F26F4}" type="datetimeFigureOut">
               <a:rPr lang="zh-TW" altLang="en-US" smtClean="0"/>
-              <a:t>2018/1/13</a:t>
+              <a:t>2019/8/24</a:t>
             </a:fld>
             <a:endParaRPr lang="zh-TW" altLang="en-US"/>
           </a:p>
@@ -1848,7 +1848,7 @@
           <a:p>
             <a:fld id="{3EB72CF3-F9D6-4BC3-8DD7-E7C0861F26F4}" type="datetimeFigureOut">
               <a:rPr lang="zh-TW" altLang="en-US" smtClean="0"/>
-              <a:t>2018/1/13</a:t>
+              <a:t>2019/8/24</a:t>
             </a:fld>
             <a:endParaRPr lang="zh-TW" altLang="en-US"/>
           </a:p>
@@ -1938,7 +1938,7 @@
           <a:p>
             <a:fld id="{3EB72CF3-F9D6-4BC3-8DD7-E7C0861F26F4}" type="datetimeFigureOut">
               <a:rPr lang="zh-TW" altLang="en-US" smtClean="0"/>
-              <a:t>2018/1/13</a:t>
+              <a:t>2019/8/24</a:t>
             </a:fld>
             <a:endParaRPr lang="zh-TW" altLang="en-US"/>
           </a:p>
@@ -2023,8 +2023,8 @@
         </p:nvSpPr>
         <p:spPr>
           <a:xfrm>
-            <a:off x="457200" y="273050"/>
-            <a:ext cx="3008313" cy="1162050"/>
+            <a:off x="457201" y="204787"/>
+            <a:ext cx="3008313" cy="871538"/>
           </a:xfrm>
         </p:spPr>
         <p:txBody>
@@ -2055,8 +2055,8 @@
         </p:nvSpPr>
         <p:spPr>
           <a:xfrm>
-            <a:off x="3575050" y="273050"/>
-            <a:ext cx="5111750" cy="5853113"/>
+            <a:off x="3575050" y="204788"/>
+            <a:ext cx="5111750" cy="4389835"/>
           </a:xfrm>
         </p:spPr>
         <p:txBody>
@@ -2140,8 +2140,8 @@
         </p:nvSpPr>
         <p:spPr>
           <a:xfrm>
-            <a:off x="457200" y="1435100"/>
-            <a:ext cx="3008313" cy="4691063"/>
+            <a:off x="457201" y="1076326"/>
+            <a:ext cx="3008313" cy="3518297"/>
           </a:xfrm>
         </p:spPr>
         <p:txBody>
@@ -2210,7 +2210,7 @@
           <a:p>
             <a:fld id="{3EB72CF3-F9D6-4BC3-8DD7-E7C0861F26F4}" type="datetimeFigureOut">
               <a:rPr lang="zh-TW" altLang="en-US" smtClean="0"/>
-              <a:t>2018/1/13</a:t>
+              <a:t>2019/8/24</a:t>
             </a:fld>
             <a:endParaRPr lang="zh-TW" altLang="en-US"/>
           </a:p>
@@ -2295,8 +2295,8 @@
         </p:nvSpPr>
         <p:spPr>
           <a:xfrm>
-            <a:off x="1792288" y="4800600"/>
-            <a:ext cx="5486400" cy="566738"/>
+            <a:off x="1792288" y="3600450"/>
+            <a:ext cx="5486400" cy="425054"/>
           </a:xfrm>
         </p:spPr>
         <p:txBody>
@@ -2327,8 +2327,8 @@
         </p:nvSpPr>
         <p:spPr>
           <a:xfrm>
-            <a:off x="1792288" y="612775"/>
-            <a:ext cx="5486400" cy="4114800"/>
+            <a:off x="1792288" y="459581"/>
+            <a:ext cx="5486400" cy="3086100"/>
           </a:xfrm>
         </p:spPr>
         <p:txBody>
@@ -2392,8 +2392,8 @@
         </p:nvSpPr>
         <p:spPr>
           <a:xfrm>
-            <a:off x="1792288" y="5367338"/>
-            <a:ext cx="5486400" cy="804862"/>
+            <a:off x="1792288" y="4025503"/>
+            <a:ext cx="5486400" cy="603647"/>
           </a:xfrm>
         </p:spPr>
         <p:txBody>
@@ -2462,7 +2462,7 @@
           <a:p>
             <a:fld id="{3EB72CF3-F9D6-4BC3-8DD7-E7C0861F26F4}" type="datetimeFigureOut">
               <a:rPr lang="zh-TW" altLang="en-US" smtClean="0"/>
-              <a:t>2018/1/13</a:t>
+              <a:t>2019/8/24</a:t>
             </a:fld>
             <a:endParaRPr lang="zh-TW" altLang="en-US"/>
           </a:p>
@@ -2557,8 +2557,8 @@
         </p:nvSpPr>
         <p:spPr>
           <a:xfrm>
-            <a:off x="457200" y="274638"/>
-            <a:ext cx="8229600" cy="1143000"/>
+            <a:off x="457200" y="205979"/>
+            <a:ext cx="8229600" cy="857250"/>
           </a:xfrm>
           <a:prstGeom prst="rect">
             <a:avLst/>
@@ -2590,8 +2590,8 @@
         </p:nvSpPr>
         <p:spPr>
           <a:xfrm>
-            <a:off x="457200" y="1600200"/>
-            <a:ext cx="8229600" cy="4525963"/>
+            <a:off x="457200" y="1200151"/>
+            <a:ext cx="8229600" cy="3394472"/>
           </a:xfrm>
           <a:prstGeom prst="rect">
             <a:avLst/>
@@ -2652,8 +2652,8 @@
         </p:nvSpPr>
         <p:spPr>
           <a:xfrm>
-            <a:off x="457200" y="6356350"/>
-            <a:ext cx="2133600" cy="365125"/>
+            <a:off x="457200" y="4767263"/>
+            <a:ext cx="2133600" cy="273844"/>
           </a:xfrm>
           <a:prstGeom prst="rect">
             <a:avLst/>
@@ -2675,7 +2675,7 @@
           <a:p>
             <a:fld id="{3EB72CF3-F9D6-4BC3-8DD7-E7C0861F26F4}" type="datetimeFigureOut">
               <a:rPr lang="zh-TW" altLang="en-US" smtClean="0"/>
-              <a:t>2018/1/13</a:t>
+              <a:t>2019/8/24</a:t>
             </a:fld>
             <a:endParaRPr lang="zh-TW" altLang="en-US"/>
           </a:p>
@@ -2693,8 +2693,8 @@
         </p:nvSpPr>
         <p:spPr>
           <a:xfrm>
-            <a:off x="3124200" y="6356350"/>
-            <a:ext cx="2895600" cy="365125"/>
+            <a:off x="3124200" y="4767263"/>
+            <a:ext cx="2895600" cy="273844"/>
           </a:xfrm>
           <a:prstGeom prst="rect">
             <a:avLst/>
@@ -2730,8 +2730,8 @@
         </p:nvSpPr>
         <p:spPr>
           <a:xfrm>
-            <a:off x="6553200" y="6356350"/>
-            <a:ext cx="2133600" cy="365125"/>
+            <a:off x="6553200" y="4767263"/>
+            <a:ext cx="2133600" cy="273844"/>
           </a:xfrm>
           <a:prstGeom prst="rect">
             <a:avLst/>
@@ -3063,7 +3063,7 @@
           <a:lstStyle/>
           <a:p>
             <a:r>
-              <a:rPr lang="zh-TW" altLang="en-US" b="1" dirty="0">
+              <a:rPr lang="zh-TW" altLang="en-US" sz="4000" b="1" dirty="0">
                 <a:solidFill>
                   <a:srgbClr val="000066"/>
                 </a:solidFill>
@@ -3073,7 +3073,7 @@
               <a:t>讚美之</a:t>
             </a:r>
             <a:r>
-              <a:rPr lang="zh-TW" altLang="en-US" b="1" dirty="0" smtClean="0">
+              <a:rPr lang="zh-TW" altLang="en-US" sz="4000" b="1" dirty="0" smtClean="0">
                 <a:solidFill>
                   <a:srgbClr val="000066"/>
                 </a:solidFill>
@@ -3082,7 +3082,7 @@
               </a:rPr>
               <a:t>泉</a:t>
             </a:r>
-            <a:endParaRPr lang="zh-TW" altLang="en-US" b="1" dirty="0">
+            <a:endParaRPr lang="zh-TW" altLang="en-US" sz="4000" b="1" dirty="0">
               <a:solidFill>
                 <a:srgbClr val="000066"/>
               </a:solidFill>
@@ -3105,7 +3105,7 @@
         <p:spPr/>
         <p:txBody>
           <a:bodyPr>
-            <a:normAutofit/>
+            <a:noAutofit/>
           </a:bodyPr>
           <a:lstStyle/>
           <a:p>
@@ -3113,7 +3113,7 @@
               <a:buNone/>
             </a:pPr>
             <a:r>
-              <a:rPr lang="zh-TW" altLang="en-US" sz="5400" b="1" dirty="0">
+              <a:rPr lang="zh-TW" altLang="en-US" sz="4800" b="1" dirty="0">
                 <a:solidFill>
                   <a:srgbClr val="000066"/>
                 </a:solidFill>
@@ -3128,7 +3128,7 @@
               <a:buNone/>
             </a:pPr>
             <a:r>
-              <a:rPr lang="zh-TW" altLang="en-US" sz="5400" b="1" dirty="0">
+              <a:rPr lang="zh-TW" altLang="en-US" sz="4800" b="1" dirty="0">
                 <a:solidFill>
                   <a:srgbClr val="000066"/>
                 </a:solidFill>
@@ -3143,7 +3143,7 @@
               <a:buNone/>
             </a:pPr>
             <a:r>
-              <a:rPr lang="zh-TW" altLang="en-US" sz="5400" b="1" dirty="0">
+              <a:rPr lang="zh-TW" altLang="en-US" sz="4800" b="1" dirty="0">
                 <a:solidFill>
                   <a:srgbClr val="000066"/>
                 </a:solidFill>
@@ -3158,7 +3158,7 @@
               <a:buNone/>
             </a:pPr>
             <a:r>
-              <a:rPr lang="zh-TW" altLang="en-US" sz="5400" b="1" dirty="0">
+              <a:rPr lang="zh-TW" altLang="en-US" sz="4800" b="1" dirty="0">
                 <a:solidFill>
                   <a:srgbClr val="000066"/>
                 </a:solidFill>
@@ -3168,7 +3168,7 @@
               <a:t>把它化為讚美之</a:t>
             </a:r>
             <a:r>
-              <a:rPr lang="zh-TW" altLang="en-US" sz="5400" b="1" dirty="0" smtClean="0">
+              <a:rPr lang="zh-TW" altLang="en-US" sz="4800" b="1" dirty="0" smtClean="0">
                 <a:solidFill>
                   <a:srgbClr val="000066"/>
                 </a:solidFill>
@@ -3177,7 +3177,7 @@
               </a:rPr>
               <a:t>泉</a:t>
             </a:r>
-            <a:endParaRPr lang="zh-TW" altLang="en-US" sz="5400" b="1" dirty="0">
+            <a:endParaRPr lang="zh-TW" altLang="en-US" sz="4800" b="1" dirty="0">
               <a:solidFill>
                 <a:srgbClr val="000066"/>
               </a:solidFill>
@@ -3230,7 +3230,7 @@
           <a:lstStyle/>
           <a:p>
             <a:r>
-              <a:rPr lang="zh-TW" altLang="en-US" b="1" dirty="0">
+              <a:rPr lang="zh-TW" altLang="en-US" sz="4000" b="1" dirty="0">
                 <a:solidFill>
                   <a:srgbClr val="000066"/>
                 </a:solidFill>
@@ -3240,7 +3240,7 @@
               <a:t>讚美之</a:t>
             </a:r>
             <a:r>
-              <a:rPr lang="zh-TW" altLang="en-US" b="1" dirty="0" smtClean="0">
+              <a:rPr lang="zh-TW" altLang="en-US" sz="4000" b="1" dirty="0" smtClean="0">
                 <a:solidFill>
                   <a:srgbClr val="000066"/>
                 </a:solidFill>
@@ -3249,7 +3249,7 @@
               </a:rPr>
               <a:t>泉</a:t>
             </a:r>
-            <a:endParaRPr lang="zh-TW" altLang="en-US" b="1" dirty="0">
+            <a:endParaRPr lang="zh-TW" altLang="en-US" sz="4000" b="1" dirty="0">
               <a:solidFill>
                 <a:srgbClr val="000066"/>
               </a:solidFill>
@@ -3272,7 +3272,7 @@
         <p:spPr/>
         <p:txBody>
           <a:bodyPr>
-            <a:normAutofit/>
+            <a:noAutofit/>
           </a:bodyPr>
           <a:lstStyle/>
           <a:p>
@@ -3280,7 +3280,7 @@
               <a:buNone/>
             </a:pPr>
             <a:r>
-              <a:rPr lang="zh-TW" altLang="en-US" sz="5400" b="1" dirty="0">
+              <a:rPr lang="zh-TW" altLang="en-US" sz="4800" b="1" dirty="0">
                 <a:solidFill>
                   <a:srgbClr val="000066"/>
                 </a:solidFill>
@@ -3295,7 +3295,7 @@
               <a:buNone/>
             </a:pPr>
             <a:r>
-              <a:rPr lang="zh-TW" altLang="en-US" sz="5400" b="1" dirty="0">
+              <a:rPr lang="zh-TW" altLang="en-US" sz="4800" b="1" dirty="0">
                 <a:solidFill>
                   <a:srgbClr val="000066"/>
                 </a:solidFill>
@@ -3310,7 +3310,7 @@
               <a:buNone/>
             </a:pPr>
             <a:r>
-              <a:rPr lang="zh-TW" altLang="en-US" sz="5400" b="1" dirty="0">
+              <a:rPr lang="zh-TW" altLang="en-US" sz="4800" b="1" dirty="0">
                 <a:solidFill>
                   <a:srgbClr val="000066"/>
                 </a:solidFill>
@@ -3325,7 +3325,7 @@
               <a:buNone/>
             </a:pPr>
             <a:r>
-              <a:rPr lang="zh-TW" altLang="en-US" sz="5400" b="1" dirty="0">
+              <a:rPr lang="zh-TW" altLang="en-US" sz="4800" b="1" dirty="0">
                 <a:solidFill>
                   <a:srgbClr val="000066"/>
                 </a:solidFill>

--- a/讚美之泉(崇拜版).pptx
+++ b/讚美之泉(崇拜版).pptx
@@ -5,8 +5,11 @@
     <p:sldMasterId id="2147483660" r:id="rId1"/>
   </p:sldMasterIdLst>
   <p:sldIdLst>
-    <p:sldId id="256" r:id="rId2"/>
-    <p:sldId id="257" r:id="rId3"/>
+    <p:sldId id="258" r:id="rId2"/>
+    <p:sldId id="259" r:id="rId3"/>
+    <p:sldId id="260" r:id="rId4"/>
+    <p:sldId id="261" r:id="rId5"/>
+    <p:sldId id="262" r:id="rId6"/>
   </p:sldIdLst>
   <p:sldSz cx="9144000" cy="5143500" type="screen16x9"/>
   <p:notesSz cx="6858000" cy="9144000"/>
@@ -105,6 +108,22 @@
       </a:defRPr>
     </a:lvl9pPr>
   </p:defaultTextStyle>
+  <p:extLst>
+    <p:ext uri="{EFAFB233-063F-42B5-8137-9DF3F51BA10A}">
+      <p15:sldGuideLst xmlns:p15="http://schemas.microsoft.com/office/powerpoint/2012/main">
+        <p15:guide id="1" orient="horz" pos="1620">
+          <p15:clr>
+            <a:srgbClr val="A4A3A4"/>
+          </p15:clr>
+        </p15:guide>
+        <p15:guide id="2" pos="2880">
+          <p15:clr>
+            <a:srgbClr val="A4A3A4"/>
+          </p15:clr>
+        </p15:guide>
+      </p15:sldGuideLst>
+    </p:ext>
+  </p:extLst>
 </p:presentation>
 </file>
 
@@ -289,7 +308,7 @@
           <a:p>
             <a:fld id="{3EB72CF3-F9D6-4BC3-8DD7-E7C0861F26F4}" type="datetimeFigureOut">
               <a:rPr lang="zh-TW" altLang="en-US" smtClean="0"/>
-              <a:t>2019/8/24</a:t>
+              <a:t>2020/12/11</a:t>
             </a:fld>
             <a:endParaRPr lang="zh-TW" altLang="en-US"/>
           </a:p>
@@ -454,7 +473,7 @@
           <a:p>
             <a:fld id="{3EB72CF3-F9D6-4BC3-8DD7-E7C0861F26F4}" type="datetimeFigureOut">
               <a:rPr lang="zh-TW" altLang="en-US" smtClean="0"/>
-              <a:t>2019/8/24</a:t>
+              <a:t>2020/12/11</a:t>
             </a:fld>
             <a:endParaRPr lang="zh-TW" altLang="en-US"/>
           </a:p>
@@ -629,7 +648,7 @@
           <a:p>
             <a:fld id="{3EB72CF3-F9D6-4BC3-8DD7-E7C0861F26F4}" type="datetimeFigureOut">
               <a:rPr lang="zh-TW" altLang="en-US" smtClean="0"/>
-              <a:t>2019/8/24</a:t>
+              <a:t>2020/12/11</a:t>
             </a:fld>
             <a:endParaRPr lang="zh-TW" altLang="en-US"/>
           </a:p>
@@ -794,7 +813,7 @@
           <a:p>
             <a:fld id="{3EB72CF3-F9D6-4BC3-8DD7-E7C0861F26F4}" type="datetimeFigureOut">
               <a:rPr lang="zh-TW" altLang="en-US" smtClean="0"/>
-              <a:t>2019/8/24</a:t>
+              <a:t>2020/12/11</a:t>
             </a:fld>
             <a:endParaRPr lang="zh-TW" altLang="en-US"/>
           </a:p>
@@ -1035,7 +1054,7 @@
           <a:p>
             <a:fld id="{3EB72CF3-F9D6-4BC3-8DD7-E7C0861F26F4}" type="datetimeFigureOut">
               <a:rPr lang="zh-TW" altLang="en-US" smtClean="0"/>
-              <a:t>2019/8/24</a:t>
+              <a:t>2020/12/11</a:t>
             </a:fld>
             <a:endParaRPr lang="zh-TW" altLang="en-US"/>
           </a:p>
@@ -1318,7 +1337,7 @@
           <a:p>
             <a:fld id="{3EB72CF3-F9D6-4BC3-8DD7-E7C0861F26F4}" type="datetimeFigureOut">
               <a:rPr lang="zh-TW" altLang="en-US" smtClean="0"/>
-              <a:t>2019/8/24</a:t>
+              <a:t>2020/12/11</a:t>
             </a:fld>
             <a:endParaRPr lang="zh-TW" altLang="en-US"/>
           </a:p>
@@ -1735,7 +1754,7 @@
           <a:p>
             <a:fld id="{3EB72CF3-F9D6-4BC3-8DD7-E7C0861F26F4}" type="datetimeFigureOut">
               <a:rPr lang="zh-TW" altLang="en-US" smtClean="0"/>
-              <a:t>2019/8/24</a:t>
+              <a:t>2020/12/11</a:t>
             </a:fld>
             <a:endParaRPr lang="zh-TW" altLang="en-US"/>
           </a:p>
@@ -1848,7 +1867,7 @@
           <a:p>
             <a:fld id="{3EB72CF3-F9D6-4BC3-8DD7-E7C0861F26F4}" type="datetimeFigureOut">
               <a:rPr lang="zh-TW" altLang="en-US" smtClean="0"/>
-              <a:t>2019/8/24</a:t>
+              <a:t>2020/12/11</a:t>
             </a:fld>
             <a:endParaRPr lang="zh-TW" altLang="en-US"/>
           </a:p>
@@ -1938,7 +1957,7 @@
           <a:p>
             <a:fld id="{3EB72CF3-F9D6-4BC3-8DD7-E7C0861F26F4}" type="datetimeFigureOut">
               <a:rPr lang="zh-TW" altLang="en-US" smtClean="0"/>
-              <a:t>2019/8/24</a:t>
+              <a:t>2020/12/11</a:t>
             </a:fld>
             <a:endParaRPr lang="zh-TW" altLang="en-US"/>
           </a:p>
@@ -2210,7 +2229,7 @@
           <a:p>
             <a:fld id="{3EB72CF3-F9D6-4BC3-8DD7-E7C0861F26F4}" type="datetimeFigureOut">
               <a:rPr lang="zh-TW" altLang="en-US" smtClean="0"/>
-              <a:t>2019/8/24</a:t>
+              <a:t>2020/12/11</a:t>
             </a:fld>
             <a:endParaRPr lang="zh-TW" altLang="en-US"/>
           </a:p>
@@ -2462,7 +2481,7 @@
           <a:p>
             <a:fld id="{3EB72CF3-F9D6-4BC3-8DD7-E7C0861F26F4}" type="datetimeFigureOut">
               <a:rPr lang="zh-TW" altLang="en-US" smtClean="0"/>
-              <a:t>2019/8/24</a:t>
+              <a:t>2020/12/11</a:t>
             </a:fld>
             <a:endParaRPr lang="zh-TW" altLang="en-US"/>
           </a:p>
@@ -2675,7 +2694,7 @@
           <a:p>
             <a:fld id="{3EB72CF3-F9D6-4BC3-8DD7-E7C0861F26F4}" type="datetimeFigureOut">
               <a:rPr lang="zh-TW" altLang="en-US" smtClean="0"/>
-              <a:t>2019/8/24</a:t>
+              <a:t>2020/12/11</a:t>
             </a:fld>
             <a:endParaRPr lang="zh-TW" altLang="en-US"/>
           </a:p>
@@ -3055,139 +3074,61 @@
             <p:ph type="title"/>
           </p:nvPr>
         </p:nvSpPr>
-        <p:spPr/>
+        <p:spPr>
+          <a:xfrm>
+            <a:off x="0" y="2143135"/>
+            <a:ext cx="9144000" cy="857250"/>
+          </a:xfrm>
+        </p:spPr>
         <p:txBody>
           <a:bodyPr>
-            <a:normAutofit/>
+            <a:noAutofit/>
           </a:bodyPr>
           <a:lstStyle/>
           <a:p>
             <a:r>
-              <a:rPr lang="zh-TW" altLang="en-US" sz="4000" b="1" dirty="0">
+              <a:rPr lang="zh-TW" altLang="en-US" sz="5400" b="1" i="1" dirty="0" smtClean="0">
                 <a:solidFill>
-                  <a:srgbClr val="000066"/>
+                  <a:srgbClr val="660033"/>
                 </a:solidFill>
+                <a:effectLst>
+                  <a:outerShdw blurRad="38100" dist="38100" dir="2700000" algn="tl">
+                    <a:srgbClr val="000000">
+                      <a:alpha val="43137"/>
+                    </a:srgbClr>
+                  </a:outerShdw>
+                </a:effectLst>
                 <a:latin typeface="微軟正黑體" pitchFamily="34" charset="-120"/>
                 <a:ea typeface="微軟正黑體" pitchFamily="34" charset="-120"/>
               </a:rPr>
-              <a:t>讚美之</a:t>
-            </a:r>
-            <a:r>
-              <a:rPr lang="zh-TW" altLang="en-US" sz="4000" b="1" dirty="0" smtClean="0">
+              <a:t>讚</a:t>
+            </a:r>
+            <a:r>
+              <a:rPr lang="zh-TW" altLang="en-US" sz="5400" b="1" i="1" dirty="0">
                 <a:solidFill>
-                  <a:srgbClr val="000066"/>
+                  <a:srgbClr val="660033"/>
                 </a:solidFill>
+                <a:effectLst>
+                  <a:outerShdw blurRad="38100" dist="38100" dir="2700000" algn="tl">
+                    <a:srgbClr val="000000">
+                      <a:alpha val="43137"/>
+                    </a:srgbClr>
+                  </a:outerShdw>
+                </a:effectLst>
                 <a:latin typeface="微軟正黑體" pitchFamily="34" charset="-120"/>
                 <a:ea typeface="微軟正黑體" pitchFamily="34" charset="-120"/>
               </a:rPr>
-              <a:t>泉</a:t>
-            </a:r>
-            <a:endParaRPr lang="zh-TW" altLang="en-US" sz="4000" b="1" dirty="0">
-              <a:solidFill>
-                <a:srgbClr val="000066"/>
-              </a:solidFill>
-              <a:latin typeface="微軟正黑體" pitchFamily="34" charset="-120"/>
-              <a:ea typeface="微軟正黑體" pitchFamily="34" charset="-120"/>
-            </a:endParaRPr>
-          </a:p>
-        </p:txBody>
-      </p:sp>
-      <p:sp>
-        <p:nvSpPr>
-          <p:cNvPr id="5" name="內容版面配置區 4"/>
-          <p:cNvSpPr>
-            <a:spLocks noGrp="1"/>
-          </p:cNvSpPr>
-          <p:nvPr>
-            <p:ph idx="1"/>
-          </p:nvPr>
-        </p:nvSpPr>
-        <p:spPr/>
-        <p:txBody>
-          <a:bodyPr>
-            <a:noAutofit/>
-          </a:bodyPr>
-          <a:lstStyle/>
-          <a:p>
-            <a:pPr algn="ctr">
-              <a:buNone/>
-            </a:pPr>
-            <a:r>
-              <a:rPr lang="zh-TW" altLang="en-US" sz="4800" b="1" dirty="0">
-                <a:solidFill>
-                  <a:srgbClr val="000066"/>
-                </a:solidFill>
-                <a:latin typeface="微軟正黑體" pitchFamily="34" charset="-120"/>
-                <a:ea typeface="微軟正黑體" pitchFamily="34" charset="-120"/>
-              </a:rPr>
-              <a:t>從天父而來的愛和恩典</a:t>
-            </a:r>
-          </a:p>
-          <a:p>
-            <a:pPr algn="ctr">
-              <a:buNone/>
-            </a:pPr>
-            <a:r>
-              <a:rPr lang="zh-TW" altLang="en-US" sz="4800" b="1" dirty="0">
-                <a:solidFill>
-                  <a:srgbClr val="000066"/>
-                </a:solidFill>
-                <a:latin typeface="微軟正黑體" pitchFamily="34" charset="-120"/>
-                <a:ea typeface="微軟正黑體" pitchFamily="34" charset="-120"/>
-              </a:rPr>
-              <a:t>把我們冰冷的心溶解</a:t>
-            </a:r>
-          </a:p>
-          <a:p>
-            <a:pPr algn="ctr">
-              <a:buNone/>
-            </a:pPr>
-            <a:r>
-              <a:rPr lang="zh-TW" altLang="en-US" sz="4800" b="1" dirty="0">
-                <a:solidFill>
-                  <a:srgbClr val="000066"/>
-                </a:solidFill>
-                <a:latin typeface="微軟正黑體" pitchFamily="34" charset="-120"/>
-                <a:ea typeface="微軟正黑體" pitchFamily="34" charset="-120"/>
-              </a:rPr>
-              <a:t>讓我們獻出每個音符</a:t>
-            </a:r>
-          </a:p>
-          <a:p>
-            <a:pPr algn="ctr">
-              <a:buNone/>
-            </a:pPr>
-            <a:r>
-              <a:rPr lang="zh-TW" altLang="en-US" sz="4800" b="1" dirty="0">
-                <a:solidFill>
-                  <a:srgbClr val="000066"/>
-                </a:solidFill>
-                <a:latin typeface="微軟正黑體" pitchFamily="34" charset="-120"/>
-                <a:ea typeface="微軟正黑體" pitchFamily="34" charset="-120"/>
-              </a:rPr>
-              <a:t>把它化為讚美之</a:t>
-            </a:r>
-            <a:r>
-              <a:rPr lang="zh-TW" altLang="en-US" sz="4800" b="1" dirty="0" smtClean="0">
-                <a:solidFill>
-                  <a:srgbClr val="000066"/>
-                </a:solidFill>
-                <a:latin typeface="微軟正黑體" pitchFamily="34" charset="-120"/>
-                <a:ea typeface="微軟正黑體" pitchFamily="34" charset="-120"/>
-              </a:rPr>
-              <a:t>泉</a:t>
-            </a:r>
-            <a:endParaRPr lang="zh-TW" altLang="en-US" sz="4800" b="1" dirty="0">
-              <a:solidFill>
-                <a:srgbClr val="000066"/>
-              </a:solidFill>
-              <a:latin typeface="微軟正黑體" pitchFamily="34" charset="-120"/>
-              <a:ea typeface="微軟正黑體" pitchFamily="34" charset="-120"/>
-            </a:endParaRPr>
+              <a:t>美之泉</a:t>
+            </a:r>
           </a:p>
         </p:txBody>
       </p:sp>
     </p:spTree>
+    <p:extLst>
+      <p:ext uri="{BB962C8B-B14F-4D97-AF65-F5344CB8AC3E}">
+        <p14:creationId xmlns:p14="http://schemas.microsoft.com/office/powerpoint/2010/main" val="3418685689"/>
+      </p:ext>
+    </p:extLst>
   </p:cSld>
   <p:clrMapOvr>
     <a:masterClrMapping/>
@@ -3214,44 +3155,57 @@
       </p:grpSpPr>
       <p:sp>
         <p:nvSpPr>
-          <p:cNvPr id="4" name="標題 3"/>
-          <p:cNvSpPr>
-            <a:spLocks noGrp="1"/>
-          </p:cNvSpPr>
-          <p:nvPr>
-            <p:ph type="title"/>
-          </p:nvPr>
-        </p:nvSpPr>
-        <p:spPr/>
-        <p:txBody>
-          <a:bodyPr>
+          <p:cNvPr id="5" name="內容版面配置區 4"/>
+          <p:cNvSpPr>
+            <a:spLocks noGrp="1"/>
+          </p:cNvSpPr>
+          <p:nvPr>
+            <p:ph idx="1"/>
+          </p:nvPr>
+        </p:nvSpPr>
+        <p:spPr>
+          <a:xfrm>
+            <a:off x="0" y="1563638"/>
+            <a:ext cx="9144000" cy="1803647"/>
+          </a:xfrm>
+        </p:spPr>
+        <p:txBody>
+          <a:bodyPr anchor="ctr">
             <a:normAutofit/>
           </a:bodyPr>
           <a:lstStyle/>
           <a:p>
-            <a:r>
-              <a:rPr lang="zh-TW" altLang="en-US" sz="4000" b="1" dirty="0">
+            <a:pPr algn="ctr">
+              <a:buNone/>
+            </a:pPr>
+            <a:r>
+              <a:rPr lang="zh-TW" altLang="en-US" sz="4800" b="1" dirty="0">
                 <a:solidFill>
-                  <a:srgbClr val="000066"/>
+                  <a:srgbClr val="660033"/>
                 </a:solidFill>
                 <a:latin typeface="微軟正黑體" pitchFamily="34" charset="-120"/>
                 <a:ea typeface="微軟正黑體" pitchFamily="34" charset="-120"/>
               </a:rPr>
-              <a:t>讚美之</a:t>
-            </a:r>
-            <a:r>
-              <a:rPr lang="zh-TW" altLang="en-US" sz="4000" b="1" dirty="0" smtClean="0">
+              <a:t>從天父而來的愛和恩典</a:t>
+            </a:r>
+          </a:p>
+          <a:p>
+            <a:pPr algn="ctr">
+              <a:buNone/>
+            </a:pPr>
+            <a:r>
+              <a:rPr lang="zh-TW" altLang="en-US" sz="4800" b="1" dirty="0">
                 <a:solidFill>
-                  <a:srgbClr val="000066"/>
+                  <a:srgbClr val="660033"/>
                 </a:solidFill>
                 <a:latin typeface="微軟正黑體" pitchFamily="34" charset="-120"/>
                 <a:ea typeface="微軟正黑體" pitchFamily="34" charset="-120"/>
               </a:rPr>
-              <a:t>泉</a:t>
-            </a:r>
-            <a:endParaRPr lang="zh-TW" altLang="en-US" sz="4000" b="1" dirty="0">
+              <a:t>把我們冰冷的心溶解</a:t>
+            </a:r>
+            <a:endParaRPr lang="zh-TW" altLang="en-US" sz="4800" b="1" dirty="0">
               <a:solidFill>
-                <a:srgbClr val="000066"/>
+                <a:srgbClr val="660033"/>
               </a:solidFill>
               <a:latin typeface="微軟正黑體" pitchFamily="34" charset="-120"/>
               <a:ea typeface="微軟正黑體" pitchFamily="34" charset="-120"/>
@@ -3259,6 +3213,36 @@
           </a:p>
         </p:txBody>
       </p:sp>
+    </p:spTree>
+    <p:extLst>
+      <p:ext uri="{BB962C8B-B14F-4D97-AF65-F5344CB8AC3E}">
+        <p14:creationId xmlns:p14="http://schemas.microsoft.com/office/powerpoint/2010/main" val="2680856201"/>
+      </p:ext>
+    </p:extLst>
+  </p:cSld>
+  <p:clrMapOvr>
+    <a:masterClrMapping/>
+  </p:clrMapOvr>
+</p:sld>
+</file>
+
+<file path=ppt/slides/slide3.xml><?xml version="1.0" encoding="utf-8"?>
+<p:sld xmlns:a="http://schemas.openxmlformats.org/drawingml/2006/main" xmlns:r="http://schemas.openxmlformats.org/officeDocument/2006/relationships" xmlns:p="http://schemas.openxmlformats.org/presentationml/2006/main">
+  <p:cSld>
+    <p:spTree>
+      <p:nvGrpSpPr>
+        <p:cNvPr id="1" name=""/>
+        <p:cNvGrpSpPr/>
+        <p:nvPr/>
+      </p:nvGrpSpPr>
+      <p:grpSpPr>
+        <a:xfrm>
+          <a:off x="0" y="0"/>
+          <a:ext cx="0" cy="0"/>
+          <a:chOff x="0" y="0"/>
+          <a:chExt cx="0" cy="0"/>
+        </a:xfrm>
+      </p:grpSpPr>
       <p:sp>
         <p:nvSpPr>
           <p:cNvPr id="5" name="內容版面配置區 4"/>
@@ -3269,10 +3253,15 @@
             <p:ph idx="1"/>
           </p:nvPr>
         </p:nvSpPr>
-        <p:spPr/>
-        <p:txBody>
-          <a:bodyPr>
-            <a:noAutofit/>
+        <p:spPr>
+          <a:xfrm>
+            <a:off x="0" y="1563638"/>
+            <a:ext cx="9144000" cy="1803647"/>
+          </a:xfrm>
+        </p:spPr>
+        <p:txBody>
+          <a:bodyPr anchor="ctr">
+            <a:normAutofit/>
           </a:bodyPr>
           <a:lstStyle/>
           <a:p>
@@ -3282,7 +3271,97 @@
             <a:r>
               <a:rPr lang="zh-TW" altLang="en-US" sz="4800" b="1" dirty="0">
                 <a:solidFill>
-                  <a:srgbClr val="000066"/>
+                  <a:srgbClr val="660033"/>
+                </a:solidFill>
+                <a:latin typeface="微軟正黑體" pitchFamily="34" charset="-120"/>
+                <a:ea typeface="微軟正黑體" pitchFamily="34" charset="-120"/>
+              </a:rPr>
+              <a:t>讓我們獻出每個音符</a:t>
+            </a:r>
+          </a:p>
+          <a:p>
+            <a:pPr algn="ctr">
+              <a:buNone/>
+            </a:pPr>
+            <a:r>
+              <a:rPr lang="zh-TW" altLang="en-US" sz="4800" b="1" dirty="0">
+                <a:solidFill>
+                  <a:srgbClr val="660033"/>
+                </a:solidFill>
+                <a:latin typeface="微軟正黑體" pitchFamily="34" charset="-120"/>
+                <a:ea typeface="微軟正黑體" pitchFamily="34" charset="-120"/>
+              </a:rPr>
+              <a:t>把它化為讚美之泉</a:t>
+            </a:r>
+            <a:endParaRPr lang="zh-TW" altLang="en-US" sz="4800" b="1" dirty="0">
+              <a:solidFill>
+                <a:srgbClr val="660033"/>
+              </a:solidFill>
+              <a:latin typeface="微軟正黑體" pitchFamily="34" charset="-120"/>
+              <a:ea typeface="微軟正黑體" pitchFamily="34" charset="-120"/>
+            </a:endParaRPr>
+          </a:p>
+        </p:txBody>
+      </p:sp>
+    </p:spTree>
+    <p:extLst>
+      <p:ext uri="{BB962C8B-B14F-4D97-AF65-F5344CB8AC3E}">
+        <p14:creationId xmlns:p14="http://schemas.microsoft.com/office/powerpoint/2010/main" val="3905860977"/>
+      </p:ext>
+    </p:extLst>
+  </p:cSld>
+  <p:clrMapOvr>
+    <a:masterClrMapping/>
+  </p:clrMapOvr>
+</p:sld>
+</file>
+
+<file path=ppt/slides/slide4.xml><?xml version="1.0" encoding="utf-8"?>
+<p:sld xmlns:a="http://schemas.openxmlformats.org/drawingml/2006/main" xmlns:r="http://schemas.openxmlformats.org/officeDocument/2006/relationships" xmlns:p="http://schemas.openxmlformats.org/presentationml/2006/main">
+  <p:cSld>
+    <p:spTree>
+      <p:nvGrpSpPr>
+        <p:cNvPr id="1" name=""/>
+        <p:cNvGrpSpPr/>
+        <p:nvPr/>
+      </p:nvGrpSpPr>
+      <p:grpSpPr>
+        <a:xfrm>
+          <a:off x="0" y="0"/>
+          <a:ext cx="0" cy="0"/>
+          <a:chOff x="0" y="0"/>
+          <a:chExt cx="0" cy="0"/>
+        </a:xfrm>
+      </p:grpSpPr>
+      <p:sp>
+        <p:nvSpPr>
+          <p:cNvPr id="5" name="內容版面配置區 4"/>
+          <p:cNvSpPr>
+            <a:spLocks noGrp="1"/>
+          </p:cNvSpPr>
+          <p:nvPr>
+            <p:ph idx="1"/>
+          </p:nvPr>
+        </p:nvSpPr>
+        <p:spPr>
+          <a:xfrm>
+            <a:off x="0" y="1563638"/>
+            <a:ext cx="9144000" cy="1803647"/>
+          </a:xfrm>
+        </p:spPr>
+        <p:txBody>
+          <a:bodyPr anchor="ctr">
+            <a:normAutofit/>
+          </a:bodyPr>
+          <a:lstStyle/>
+          <a:p>
+            <a:pPr algn="ctr">
+              <a:buNone/>
+            </a:pPr>
+            <a:r>
+              <a:rPr lang="zh-TW" altLang="en-US" sz="4800" b="1" dirty="0">
+                <a:solidFill>
+                  <a:srgbClr val="660033"/>
                 </a:solidFill>
                 <a:latin typeface="微軟正黑體" pitchFamily="34" charset="-120"/>
                 <a:ea typeface="微軟正黑體" pitchFamily="34" charset="-120"/>
@@ -3297,14 +3376,74 @@
             <a:r>
               <a:rPr lang="zh-TW" altLang="en-US" sz="4800" b="1" dirty="0">
                 <a:solidFill>
-                  <a:srgbClr val="000066"/>
+                  <a:srgbClr val="660033"/>
                 </a:solidFill>
                 <a:latin typeface="微軟正黑體" pitchFamily="34" charset="-120"/>
                 <a:ea typeface="微軟正黑體" pitchFamily="34" charset="-120"/>
               </a:rPr>
               <a:t>向永生之主稱謝</a:t>
             </a:r>
-          </a:p>
+            <a:endParaRPr lang="zh-TW" altLang="en-US" sz="4800" b="1" dirty="0">
+              <a:solidFill>
+                <a:srgbClr val="660033"/>
+              </a:solidFill>
+              <a:latin typeface="微軟正黑體" pitchFamily="34" charset="-120"/>
+              <a:ea typeface="微軟正黑體" pitchFamily="34" charset="-120"/>
+            </a:endParaRPr>
+          </a:p>
+        </p:txBody>
+      </p:sp>
+    </p:spTree>
+    <p:extLst>
+      <p:ext uri="{BB962C8B-B14F-4D97-AF65-F5344CB8AC3E}">
+        <p14:creationId xmlns:p14="http://schemas.microsoft.com/office/powerpoint/2010/main" val="2710250178"/>
+      </p:ext>
+    </p:extLst>
+  </p:cSld>
+  <p:clrMapOvr>
+    <a:masterClrMapping/>
+  </p:clrMapOvr>
+</p:sld>
+</file>
+
+<file path=ppt/slides/slide5.xml><?xml version="1.0" encoding="utf-8"?>
+<p:sld xmlns:a="http://schemas.openxmlformats.org/drawingml/2006/main" xmlns:r="http://schemas.openxmlformats.org/officeDocument/2006/relationships" xmlns:p="http://schemas.openxmlformats.org/presentationml/2006/main">
+  <p:cSld>
+    <p:spTree>
+      <p:nvGrpSpPr>
+        <p:cNvPr id="1" name=""/>
+        <p:cNvGrpSpPr/>
+        <p:nvPr/>
+      </p:nvGrpSpPr>
+      <p:grpSpPr>
+        <a:xfrm>
+          <a:off x="0" y="0"/>
+          <a:ext cx="0" cy="0"/>
+          <a:chOff x="0" y="0"/>
+          <a:chExt cx="0" cy="0"/>
+        </a:xfrm>
+      </p:grpSpPr>
+      <p:sp>
+        <p:nvSpPr>
+          <p:cNvPr id="5" name="內容版面配置區 4"/>
+          <p:cNvSpPr>
+            <a:spLocks noGrp="1"/>
+          </p:cNvSpPr>
+          <p:nvPr>
+            <p:ph idx="1"/>
+          </p:nvPr>
+        </p:nvSpPr>
+        <p:spPr>
+          <a:xfrm>
+            <a:off x="0" y="1563638"/>
+            <a:ext cx="9144000" cy="1803647"/>
+          </a:xfrm>
+        </p:spPr>
+        <p:txBody>
+          <a:bodyPr anchor="ctr">
+            <a:normAutofit/>
+          </a:bodyPr>
+          <a:lstStyle/>
           <a:p>
             <a:pPr algn="ctr">
               <a:buNone/>
@@ -3312,7 +3451,7 @@
             <a:r>
               <a:rPr lang="zh-TW" altLang="en-US" sz="4800" b="1" dirty="0">
                 <a:solidFill>
-                  <a:srgbClr val="000066"/>
+                  <a:srgbClr val="660033"/>
                 </a:solidFill>
                 <a:latin typeface="微軟正黑體" pitchFamily="34" charset="-120"/>
                 <a:ea typeface="微軟正黑體" pitchFamily="34" charset="-120"/>
@@ -3327,17 +3466,29 @@
             <a:r>
               <a:rPr lang="zh-TW" altLang="en-US" sz="4800" b="1" dirty="0">
                 <a:solidFill>
-                  <a:srgbClr val="000066"/>
+                  <a:srgbClr val="660033"/>
                 </a:solidFill>
                 <a:latin typeface="微軟正黑體" pitchFamily="34" charset="-120"/>
                 <a:ea typeface="微軟正黑體" pitchFamily="34" charset="-120"/>
               </a:rPr>
               <a:t>流入每個人的心間</a:t>
             </a:r>
+            <a:endParaRPr lang="zh-TW" altLang="en-US" sz="4800" b="1" dirty="0">
+              <a:solidFill>
+                <a:srgbClr val="660033"/>
+              </a:solidFill>
+              <a:latin typeface="微軟正黑體" pitchFamily="34" charset="-120"/>
+              <a:ea typeface="微軟正黑體" pitchFamily="34" charset="-120"/>
+            </a:endParaRPr>
           </a:p>
         </p:txBody>
       </p:sp>
     </p:spTree>
+    <p:extLst>
+      <p:ext uri="{BB962C8B-B14F-4D97-AF65-F5344CB8AC3E}">
+        <p14:creationId xmlns:p14="http://schemas.microsoft.com/office/powerpoint/2010/main" val="3614402708"/>
+      </p:ext>
+    </p:extLst>
   </p:cSld>
   <p:clrMapOvr>
     <a:masterClrMapping/>

--- a/讚美之泉(崇拜版).pptx
+++ b/讚美之泉(崇拜版).pptx
@@ -5,11 +5,11 @@
     <p:sldMasterId id="2147483660" r:id="rId1"/>
   </p:sldMasterIdLst>
   <p:sldIdLst>
-    <p:sldId id="258" r:id="rId2"/>
-    <p:sldId id="259" r:id="rId3"/>
-    <p:sldId id="260" r:id="rId4"/>
-    <p:sldId id="261" r:id="rId5"/>
-    <p:sldId id="262" r:id="rId6"/>
+    <p:sldId id="256" r:id="rId2"/>
+    <p:sldId id="257" r:id="rId3"/>
+    <p:sldId id="258" r:id="rId4"/>
+    <p:sldId id="259" r:id="rId5"/>
+    <p:sldId id="260" r:id="rId6"/>
   </p:sldIdLst>
   <p:sldSz cx="9144000" cy="5143500" type="screen16x9"/>
   <p:notesSz cx="6858000" cy="9144000"/>
@@ -308,7 +308,7 @@
           <a:p>
             <a:fld id="{3EB72CF3-F9D6-4BC3-8DD7-E7C0861F26F4}" type="datetimeFigureOut">
               <a:rPr lang="zh-TW" altLang="en-US" smtClean="0"/>
-              <a:t>2020/12/11</a:t>
+              <a:t>2022/5/14</a:t>
             </a:fld>
             <a:endParaRPr lang="zh-TW" altLang="en-US"/>
           </a:p>
@@ -473,7 +473,7 @@
           <a:p>
             <a:fld id="{3EB72CF3-F9D6-4BC3-8DD7-E7C0861F26F4}" type="datetimeFigureOut">
               <a:rPr lang="zh-TW" altLang="en-US" smtClean="0"/>
-              <a:t>2020/12/11</a:t>
+              <a:t>2022/5/14</a:t>
             </a:fld>
             <a:endParaRPr lang="zh-TW" altLang="en-US"/>
           </a:p>
@@ -648,7 +648,7 @@
           <a:p>
             <a:fld id="{3EB72CF3-F9D6-4BC3-8DD7-E7C0861F26F4}" type="datetimeFigureOut">
               <a:rPr lang="zh-TW" altLang="en-US" smtClean="0"/>
-              <a:t>2020/12/11</a:t>
+              <a:t>2022/5/14</a:t>
             </a:fld>
             <a:endParaRPr lang="zh-TW" altLang="en-US"/>
           </a:p>
@@ -813,7 +813,7 @@
           <a:p>
             <a:fld id="{3EB72CF3-F9D6-4BC3-8DD7-E7C0861F26F4}" type="datetimeFigureOut">
               <a:rPr lang="zh-TW" altLang="en-US" smtClean="0"/>
-              <a:t>2020/12/11</a:t>
+              <a:t>2022/5/14</a:t>
             </a:fld>
             <a:endParaRPr lang="zh-TW" altLang="en-US"/>
           </a:p>
@@ -1054,7 +1054,7 @@
           <a:p>
             <a:fld id="{3EB72CF3-F9D6-4BC3-8DD7-E7C0861F26F4}" type="datetimeFigureOut">
               <a:rPr lang="zh-TW" altLang="en-US" smtClean="0"/>
-              <a:t>2020/12/11</a:t>
+              <a:t>2022/5/14</a:t>
             </a:fld>
             <a:endParaRPr lang="zh-TW" altLang="en-US"/>
           </a:p>
@@ -1337,7 +1337,7 @@
           <a:p>
             <a:fld id="{3EB72CF3-F9D6-4BC3-8DD7-E7C0861F26F4}" type="datetimeFigureOut">
               <a:rPr lang="zh-TW" altLang="en-US" smtClean="0"/>
-              <a:t>2020/12/11</a:t>
+              <a:t>2022/5/14</a:t>
             </a:fld>
             <a:endParaRPr lang="zh-TW" altLang="en-US"/>
           </a:p>
@@ -1754,7 +1754,7 @@
           <a:p>
             <a:fld id="{3EB72CF3-F9D6-4BC3-8DD7-E7C0861F26F4}" type="datetimeFigureOut">
               <a:rPr lang="zh-TW" altLang="en-US" smtClean="0"/>
-              <a:t>2020/12/11</a:t>
+              <a:t>2022/5/14</a:t>
             </a:fld>
             <a:endParaRPr lang="zh-TW" altLang="en-US"/>
           </a:p>
@@ -1867,7 +1867,7 @@
           <a:p>
             <a:fld id="{3EB72CF3-F9D6-4BC3-8DD7-E7C0861F26F4}" type="datetimeFigureOut">
               <a:rPr lang="zh-TW" altLang="en-US" smtClean="0"/>
-              <a:t>2020/12/11</a:t>
+              <a:t>2022/5/14</a:t>
             </a:fld>
             <a:endParaRPr lang="zh-TW" altLang="en-US"/>
           </a:p>
@@ -1957,7 +1957,7 @@
           <a:p>
             <a:fld id="{3EB72CF3-F9D6-4BC3-8DD7-E7C0861F26F4}" type="datetimeFigureOut">
               <a:rPr lang="zh-TW" altLang="en-US" smtClean="0"/>
-              <a:t>2020/12/11</a:t>
+              <a:t>2022/5/14</a:t>
             </a:fld>
             <a:endParaRPr lang="zh-TW" altLang="en-US"/>
           </a:p>
@@ -2229,7 +2229,7 @@
           <a:p>
             <a:fld id="{3EB72CF3-F9D6-4BC3-8DD7-E7C0861F26F4}" type="datetimeFigureOut">
               <a:rPr lang="zh-TW" altLang="en-US" smtClean="0"/>
-              <a:t>2020/12/11</a:t>
+              <a:t>2022/5/14</a:t>
             </a:fld>
             <a:endParaRPr lang="zh-TW" altLang="en-US"/>
           </a:p>
@@ -2481,7 +2481,7 @@
           <a:p>
             <a:fld id="{3EB72CF3-F9D6-4BC3-8DD7-E7C0861F26F4}" type="datetimeFigureOut">
               <a:rPr lang="zh-TW" altLang="en-US" smtClean="0"/>
-              <a:t>2020/12/11</a:t>
+              <a:t>2022/5/14</a:t>
             </a:fld>
             <a:endParaRPr lang="zh-TW" altLang="en-US"/>
           </a:p>
@@ -2694,7 +2694,7 @@
           <a:p>
             <a:fld id="{3EB72CF3-F9D6-4BC3-8DD7-E7C0861F26F4}" type="datetimeFigureOut">
               <a:rPr lang="zh-TW" altLang="en-US" smtClean="0"/>
-              <a:t>2020/12/11</a:t>
+              <a:t>2022/5/14</a:t>
             </a:fld>
             <a:endParaRPr lang="zh-TW" altLang="en-US"/>
           </a:p>
@@ -3126,7 +3126,7 @@
     </p:spTree>
     <p:extLst>
       <p:ext uri="{BB962C8B-B14F-4D97-AF65-F5344CB8AC3E}">
-        <p14:creationId xmlns:p14="http://schemas.microsoft.com/office/powerpoint/2010/main" val="3418685689"/>
+        <p14:creationId xmlns:p14="http://schemas.microsoft.com/office/powerpoint/2010/main" val="3687318875"/>
       </p:ext>
     </p:extLst>
   </p:cSld>
@@ -3203,12 +3203,71 @@
               </a:rPr>
               <a:t>把我們冰冷的心溶解</a:t>
             </a:r>
-            <a:endParaRPr lang="zh-TW" altLang="en-US" sz="4800" b="1" dirty="0">
+          </a:p>
+        </p:txBody>
+      </p:sp>
+      <p:sp>
+        <p:nvSpPr>
+          <p:cNvPr id="3" name="TextBox 2"/>
+          <p:cNvSpPr txBox="1"/>
+          <p:nvPr/>
+        </p:nvSpPr>
+        <p:spPr>
+          <a:xfrm>
+            <a:off x="0" y="3867894"/>
+            <a:ext cx="9143867" cy="600164"/>
+          </a:xfrm>
+          <a:prstGeom prst="rect">
+            <a:avLst/>
+          </a:prstGeom>
+          <a:noFill/>
+        </p:spPr>
+        <p:txBody>
+          <a:bodyPr wrap="square" rtlCol="0" anchor="ctr">
+            <a:spAutoFit/>
+          </a:bodyPr>
+          <a:lstStyle/>
+          <a:p>
+            <a:pPr algn="ctr"/>
+            <a:r>
+              <a:rPr lang="en-US" sz="3300" b="1" dirty="0">
+                <a:solidFill>
+                  <a:srgbClr val="660033"/>
+                </a:solidFill>
+                <a:effectLst/>
+                <a:latin typeface="Microsoft JhengHei" panose="020B0604030504040204" pitchFamily="34" charset="-120"/>
+                <a:ea typeface="Microsoft JhengHei" panose="020B0604030504040204" pitchFamily="34" charset="-120"/>
+              </a:rPr>
+              <a:t>( </a:t>
+            </a:r>
+            <a:r>
+              <a:rPr lang="zh-CN" altLang="en-US" sz="3300" b="1" dirty="0">
+                <a:solidFill>
+                  <a:srgbClr val="660033"/>
+                </a:solidFill>
+                <a:effectLst/>
+                <a:latin typeface="Microsoft JhengHei" panose="020B0604030504040204" pitchFamily="34" charset="-120"/>
+                <a:ea typeface="Microsoft JhengHei" panose="020B0604030504040204" pitchFamily="34" charset="-120"/>
+              </a:rPr>
+              <a:t>正</a:t>
+            </a:r>
+            <a:r>
+              <a:rPr lang="en-US" sz="3300" b="1" dirty="0">
+                <a:solidFill>
+                  <a:srgbClr val="660033"/>
+                </a:solidFill>
+                <a:effectLst/>
+                <a:latin typeface="Microsoft JhengHei" panose="020B0604030504040204" pitchFamily="34" charset="-120"/>
+                <a:ea typeface="Microsoft JhengHei" panose="020B0604030504040204" pitchFamily="34" charset="-120"/>
+              </a:rPr>
+              <a:t> )</a:t>
+            </a:r>
+            <a:endParaRPr lang="vi-VN" sz="3300" b="1" dirty="0">
               <a:solidFill>
                 <a:srgbClr val="660033"/>
               </a:solidFill>
-              <a:latin typeface="微軟正黑體" pitchFamily="34" charset="-120"/>
-              <a:ea typeface="微軟正黑體" pitchFamily="34" charset="-120"/>
+              <a:effectLst/>
+              <a:ea typeface="Microsoft JhengHei" panose="020B0604030504040204" pitchFamily="34" charset="-120"/>
             </a:endParaRPr>
           </a:p>
         </p:txBody>
@@ -3216,7 +3275,7 @@
     </p:spTree>
     <p:extLst>
       <p:ext uri="{BB962C8B-B14F-4D97-AF65-F5344CB8AC3E}">
-        <p14:creationId xmlns:p14="http://schemas.microsoft.com/office/powerpoint/2010/main" val="2680856201"/>
+        <p14:creationId xmlns:p14="http://schemas.microsoft.com/office/powerpoint/2010/main" val="2156307250"/>
       </p:ext>
     </p:extLst>
   </p:cSld>
@@ -3293,12 +3352,71 @@
               </a:rPr>
               <a:t>把它化為讚美之泉</a:t>
             </a:r>
-            <a:endParaRPr lang="zh-TW" altLang="en-US" sz="4800" b="1" dirty="0">
+          </a:p>
+        </p:txBody>
+      </p:sp>
+      <p:sp>
+        <p:nvSpPr>
+          <p:cNvPr id="3" name="TextBox 2"/>
+          <p:cNvSpPr txBox="1"/>
+          <p:nvPr/>
+        </p:nvSpPr>
+        <p:spPr>
+          <a:xfrm>
+            <a:off x="0" y="3867894"/>
+            <a:ext cx="9143867" cy="600164"/>
+          </a:xfrm>
+          <a:prstGeom prst="rect">
+            <a:avLst/>
+          </a:prstGeom>
+          <a:noFill/>
+        </p:spPr>
+        <p:txBody>
+          <a:bodyPr wrap="square" rtlCol="0" anchor="ctr">
+            <a:spAutoFit/>
+          </a:bodyPr>
+          <a:lstStyle/>
+          <a:p>
+            <a:pPr algn="ctr"/>
+            <a:r>
+              <a:rPr lang="en-US" sz="3300" b="1" dirty="0">
+                <a:solidFill>
+                  <a:srgbClr val="660033"/>
+                </a:solidFill>
+                <a:effectLst/>
+                <a:latin typeface="Microsoft JhengHei" panose="020B0604030504040204" pitchFamily="34" charset="-120"/>
+                <a:ea typeface="Microsoft JhengHei" panose="020B0604030504040204" pitchFamily="34" charset="-120"/>
+              </a:rPr>
+              <a:t>( </a:t>
+            </a:r>
+            <a:r>
+              <a:rPr lang="zh-CN" altLang="en-US" sz="3300" b="1" dirty="0">
+                <a:solidFill>
+                  <a:srgbClr val="660033"/>
+                </a:solidFill>
+                <a:effectLst/>
+                <a:latin typeface="Microsoft JhengHei" panose="020B0604030504040204" pitchFamily="34" charset="-120"/>
+                <a:ea typeface="Microsoft JhengHei" panose="020B0604030504040204" pitchFamily="34" charset="-120"/>
+              </a:rPr>
+              <a:t>正</a:t>
+            </a:r>
+            <a:r>
+              <a:rPr lang="en-US" sz="3300" b="1" dirty="0">
+                <a:solidFill>
+                  <a:srgbClr val="660033"/>
+                </a:solidFill>
+                <a:effectLst/>
+                <a:latin typeface="Microsoft JhengHei" panose="020B0604030504040204" pitchFamily="34" charset="-120"/>
+                <a:ea typeface="Microsoft JhengHei" panose="020B0604030504040204" pitchFamily="34" charset="-120"/>
+              </a:rPr>
+              <a:t> )</a:t>
+            </a:r>
+            <a:endParaRPr lang="vi-VN" sz="3300" b="1" dirty="0">
               <a:solidFill>
                 <a:srgbClr val="660033"/>
               </a:solidFill>
-              <a:latin typeface="微軟正黑體" pitchFamily="34" charset="-120"/>
-              <a:ea typeface="微軟正黑體" pitchFamily="34" charset="-120"/>
+              <a:effectLst/>
+              <a:ea typeface="Microsoft JhengHei" panose="020B0604030504040204" pitchFamily="34" charset="-120"/>
             </a:endParaRPr>
           </a:p>
         </p:txBody>
@@ -3306,7 +3424,7 @@
     </p:spTree>
     <p:extLst>
       <p:ext uri="{BB962C8B-B14F-4D97-AF65-F5344CB8AC3E}">
-        <p14:creationId xmlns:p14="http://schemas.microsoft.com/office/powerpoint/2010/main" val="3905860977"/>
+        <p14:creationId xmlns:p14="http://schemas.microsoft.com/office/powerpoint/2010/main" val="1083666669"/>
       </p:ext>
     </p:extLst>
   </p:cSld>
@@ -3383,12 +3501,82 @@
               </a:rPr>
               <a:t>向永生之主稱謝</a:t>
             </a:r>
-            <a:endParaRPr lang="zh-TW" altLang="en-US" sz="4800" b="1" dirty="0">
+          </a:p>
+        </p:txBody>
+      </p:sp>
+      <p:sp>
+        <p:nvSpPr>
+          <p:cNvPr id="3" name="TextBox 2"/>
+          <p:cNvSpPr txBox="1"/>
+          <p:nvPr/>
+        </p:nvSpPr>
+        <p:spPr>
+          <a:xfrm>
+            <a:off x="0" y="3867894"/>
+            <a:ext cx="9143867" cy="600164"/>
+          </a:xfrm>
+          <a:prstGeom prst="rect">
+            <a:avLst/>
+          </a:prstGeom>
+          <a:noFill/>
+        </p:spPr>
+        <p:txBody>
+          <a:bodyPr wrap="square" rtlCol="0" anchor="ctr">
+            <a:spAutoFit/>
+          </a:bodyPr>
+          <a:lstStyle/>
+          <a:p>
+            <a:pPr algn="ctr"/>
+            <a:r>
+              <a:rPr lang="en-US" sz="3300" b="1" dirty="0">
+                <a:solidFill>
+                  <a:srgbClr val="660033"/>
+                </a:solidFill>
+                <a:effectLst/>
+                <a:latin typeface="Microsoft JhengHei" panose="020B0604030504040204" pitchFamily="34" charset="-120"/>
+                <a:ea typeface="Microsoft JhengHei" panose="020B0604030504040204" pitchFamily="34" charset="-120"/>
+              </a:rPr>
+              <a:t>( </a:t>
+            </a:r>
+            <a:r>
+              <a:rPr lang="zh-CN" altLang="en-US" sz="3300" b="1" dirty="0" smtClean="0">
+                <a:solidFill>
+                  <a:srgbClr val="660033"/>
+                </a:solidFill>
+                <a:effectLst/>
+                <a:latin typeface="Microsoft JhengHei" panose="020B0604030504040204" pitchFamily="34" charset="-120"/>
+                <a:ea typeface="Microsoft JhengHei" panose="020B0604030504040204" pitchFamily="34" charset="-120"/>
+              </a:rPr>
+              <a:t>副</a:t>
+            </a:r>
+            <a:r>
+              <a:rPr lang="en-US" sz="3300" b="1" dirty="0" smtClean="0">
+                <a:solidFill>
+                  <a:srgbClr val="660033"/>
+                </a:solidFill>
+                <a:effectLst/>
+                <a:latin typeface="Microsoft JhengHei" panose="020B0604030504040204" pitchFamily="34" charset="-120"/>
+                <a:ea typeface="Microsoft JhengHei" panose="020B0604030504040204" pitchFamily="34" charset="-120"/>
+              </a:rPr>
+              <a:t> </a:t>
+            </a:r>
+            <a:r>
+              <a:rPr lang="en-US" sz="3300" b="1" dirty="0">
+                <a:solidFill>
+                  <a:srgbClr val="660033"/>
+                </a:solidFill>
+                <a:effectLst/>
+                <a:latin typeface="Microsoft JhengHei" panose="020B0604030504040204" pitchFamily="34" charset="-120"/>
+                <a:ea typeface="Microsoft JhengHei" panose="020B0604030504040204" pitchFamily="34" charset="-120"/>
+              </a:rPr>
+              <a:t>)</a:t>
+            </a:r>
+            <a:endParaRPr lang="vi-VN" sz="3300" b="1" dirty="0">
               <a:solidFill>
                 <a:srgbClr val="660033"/>
               </a:solidFill>
-              <a:latin typeface="微軟正黑體" pitchFamily="34" charset="-120"/>
-              <a:ea typeface="微軟正黑體" pitchFamily="34" charset="-120"/>
+              <a:effectLst/>
+              <a:ea typeface="Microsoft JhengHei" panose="020B0604030504040204" pitchFamily="34" charset="-120"/>
             </a:endParaRPr>
           </a:p>
         </p:txBody>
@@ -3396,7 +3584,7 @@
     </p:spTree>
     <p:extLst>
       <p:ext uri="{BB962C8B-B14F-4D97-AF65-F5344CB8AC3E}">
-        <p14:creationId xmlns:p14="http://schemas.microsoft.com/office/powerpoint/2010/main" val="2710250178"/>
+        <p14:creationId xmlns:p14="http://schemas.microsoft.com/office/powerpoint/2010/main" val="189692625"/>
       </p:ext>
     </p:extLst>
   </p:cSld>
@@ -3473,12 +3661,82 @@
               </a:rPr>
               <a:t>流入每個人的心間</a:t>
             </a:r>
-            <a:endParaRPr lang="zh-TW" altLang="en-US" sz="4800" b="1" dirty="0">
+          </a:p>
+        </p:txBody>
+      </p:sp>
+      <p:sp>
+        <p:nvSpPr>
+          <p:cNvPr id="3" name="TextBox 2"/>
+          <p:cNvSpPr txBox="1"/>
+          <p:nvPr/>
+        </p:nvSpPr>
+        <p:spPr>
+          <a:xfrm>
+            <a:off x="0" y="3867894"/>
+            <a:ext cx="9143867" cy="600164"/>
+          </a:xfrm>
+          <a:prstGeom prst="rect">
+            <a:avLst/>
+          </a:prstGeom>
+          <a:noFill/>
+        </p:spPr>
+        <p:txBody>
+          <a:bodyPr wrap="square" rtlCol="0" anchor="ctr">
+            <a:spAutoFit/>
+          </a:bodyPr>
+          <a:lstStyle/>
+          <a:p>
+            <a:pPr algn="ctr"/>
+            <a:r>
+              <a:rPr lang="en-US" sz="3300" b="1" dirty="0">
+                <a:solidFill>
+                  <a:srgbClr val="660033"/>
+                </a:solidFill>
+                <a:effectLst/>
+                <a:latin typeface="Microsoft JhengHei" panose="020B0604030504040204" pitchFamily="34" charset="-120"/>
+                <a:ea typeface="Microsoft JhengHei" panose="020B0604030504040204" pitchFamily="34" charset="-120"/>
+              </a:rPr>
+              <a:t>( </a:t>
+            </a:r>
+            <a:r>
+              <a:rPr lang="zh-CN" altLang="en-US" sz="3300" b="1" dirty="0" smtClean="0">
+                <a:solidFill>
+                  <a:srgbClr val="660033"/>
+                </a:solidFill>
+                <a:effectLst/>
+                <a:latin typeface="Microsoft JhengHei" panose="020B0604030504040204" pitchFamily="34" charset="-120"/>
+                <a:ea typeface="Microsoft JhengHei" panose="020B0604030504040204" pitchFamily="34" charset="-120"/>
+              </a:rPr>
+              <a:t>副</a:t>
+            </a:r>
+            <a:r>
+              <a:rPr lang="en-US" sz="3300" b="1" dirty="0" smtClean="0">
+                <a:solidFill>
+                  <a:srgbClr val="660033"/>
+                </a:solidFill>
+                <a:effectLst/>
+                <a:latin typeface="Microsoft JhengHei" panose="020B0604030504040204" pitchFamily="34" charset="-120"/>
+                <a:ea typeface="Microsoft JhengHei" panose="020B0604030504040204" pitchFamily="34" charset="-120"/>
+              </a:rPr>
+              <a:t> </a:t>
+            </a:r>
+            <a:r>
+              <a:rPr lang="en-US" sz="3300" b="1" dirty="0">
+                <a:solidFill>
+                  <a:srgbClr val="660033"/>
+                </a:solidFill>
+                <a:effectLst/>
+                <a:latin typeface="Microsoft JhengHei" panose="020B0604030504040204" pitchFamily="34" charset="-120"/>
+                <a:ea typeface="Microsoft JhengHei" panose="020B0604030504040204" pitchFamily="34" charset="-120"/>
+              </a:rPr>
+              <a:t>)</a:t>
+            </a:r>
+            <a:endParaRPr lang="vi-VN" sz="3300" b="1" dirty="0">
               <a:solidFill>
                 <a:srgbClr val="660033"/>
               </a:solidFill>
-              <a:latin typeface="微軟正黑體" pitchFamily="34" charset="-120"/>
-              <a:ea typeface="微軟正黑體" pitchFamily="34" charset="-120"/>
+              <a:effectLst/>
+              <a:ea typeface="Microsoft JhengHei" panose="020B0604030504040204" pitchFamily="34" charset="-120"/>
             </a:endParaRPr>
           </a:p>
         </p:txBody>
@@ -3486,7 +3744,7 @@
     </p:spTree>
     <p:extLst>
       <p:ext uri="{BB962C8B-B14F-4D97-AF65-F5344CB8AC3E}">
-        <p14:creationId xmlns:p14="http://schemas.microsoft.com/office/powerpoint/2010/main" val="3614402708"/>
+        <p14:creationId xmlns:p14="http://schemas.microsoft.com/office/powerpoint/2010/main" val="1210896029"/>
       </p:ext>
     </p:extLst>
   </p:cSld>

--- a/讚美之泉(崇拜版).pptx
+++ b/讚美之泉(崇拜版).pptx
@@ -308,7 +308,7 @@
           <a:p>
             <a:fld id="{3EB72CF3-F9D6-4BC3-8DD7-E7C0861F26F4}" type="datetimeFigureOut">
               <a:rPr lang="zh-TW" altLang="en-US" smtClean="0"/>
-              <a:t>2022/5/14</a:t>
+              <a:t>2023/10/28</a:t>
             </a:fld>
             <a:endParaRPr lang="zh-TW" altLang="en-US"/>
           </a:p>
@@ -473,7 +473,7 @@
           <a:p>
             <a:fld id="{3EB72CF3-F9D6-4BC3-8DD7-E7C0861F26F4}" type="datetimeFigureOut">
               <a:rPr lang="zh-TW" altLang="en-US" smtClean="0"/>
-              <a:t>2022/5/14</a:t>
+              <a:t>2023/10/28</a:t>
             </a:fld>
             <a:endParaRPr lang="zh-TW" altLang="en-US"/>
           </a:p>
@@ -648,7 +648,7 @@
           <a:p>
             <a:fld id="{3EB72CF3-F9D6-4BC3-8DD7-E7C0861F26F4}" type="datetimeFigureOut">
               <a:rPr lang="zh-TW" altLang="en-US" smtClean="0"/>
-              <a:t>2022/5/14</a:t>
+              <a:t>2023/10/28</a:t>
             </a:fld>
             <a:endParaRPr lang="zh-TW" altLang="en-US"/>
           </a:p>
@@ -813,7 +813,7 @@
           <a:p>
             <a:fld id="{3EB72CF3-F9D6-4BC3-8DD7-E7C0861F26F4}" type="datetimeFigureOut">
               <a:rPr lang="zh-TW" altLang="en-US" smtClean="0"/>
-              <a:t>2022/5/14</a:t>
+              <a:t>2023/10/28</a:t>
             </a:fld>
             <a:endParaRPr lang="zh-TW" altLang="en-US"/>
           </a:p>
@@ -1054,7 +1054,7 @@
           <a:p>
             <a:fld id="{3EB72CF3-F9D6-4BC3-8DD7-E7C0861F26F4}" type="datetimeFigureOut">
               <a:rPr lang="zh-TW" altLang="en-US" smtClean="0"/>
-              <a:t>2022/5/14</a:t>
+              <a:t>2023/10/28</a:t>
             </a:fld>
             <a:endParaRPr lang="zh-TW" altLang="en-US"/>
           </a:p>
@@ -1337,7 +1337,7 @@
           <a:p>
             <a:fld id="{3EB72CF3-F9D6-4BC3-8DD7-E7C0861F26F4}" type="datetimeFigureOut">
               <a:rPr lang="zh-TW" altLang="en-US" smtClean="0"/>
-              <a:t>2022/5/14</a:t>
+              <a:t>2023/10/28</a:t>
             </a:fld>
             <a:endParaRPr lang="zh-TW" altLang="en-US"/>
           </a:p>
@@ -1754,7 +1754,7 @@
           <a:p>
             <a:fld id="{3EB72CF3-F9D6-4BC3-8DD7-E7C0861F26F4}" type="datetimeFigureOut">
               <a:rPr lang="zh-TW" altLang="en-US" smtClean="0"/>
-              <a:t>2022/5/14</a:t>
+              <a:t>2023/10/28</a:t>
             </a:fld>
             <a:endParaRPr lang="zh-TW" altLang="en-US"/>
           </a:p>
@@ -1867,7 +1867,7 @@
           <a:p>
             <a:fld id="{3EB72CF3-F9D6-4BC3-8DD7-E7C0861F26F4}" type="datetimeFigureOut">
               <a:rPr lang="zh-TW" altLang="en-US" smtClean="0"/>
-              <a:t>2022/5/14</a:t>
+              <a:t>2023/10/28</a:t>
             </a:fld>
             <a:endParaRPr lang="zh-TW" altLang="en-US"/>
           </a:p>
@@ -1957,7 +1957,7 @@
           <a:p>
             <a:fld id="{3EB72CF3-F9D6-4BC3-8DD7-E7C0861F26F4}" type="datetimeFigureOut">
               <a:rPr lang="zh-TW" altLang="en-US" smtClean="0"/>
-              <a:t>2022/5/14</a:t>
+              <a:t>2023/10/28</a:t>
             </a:fld>
             <a:endParaRPr lang="zh-TW" altLang="en-US"/>
           </a:p>
@@ -2229,7 +2229,7 @@
           <a:p>
             <a:fld id="{3EB72CF3-F9D6-4BC3-8DD7-E7C0861F26F4}" type="datetimeFigureOut">
               <a:rPr lang="zh-TW" altLang="en-US" smtClean="0"/>
-              <a:t>2022/5/14</a:t>
+              <a:t>2023/10/28</a:t>
             </a:fld>
             <a:endParaRPr lang="zh-TW" altLang="en-US"/>
           </a:p>
@@ -2481,7 +2481,7 @@
           <a:p>
             <a:fld id="{3EB72CF3-F9D6-4BC3-8DD7-E7C0861F26F4}" type="datetimeFigureOut">
               <a:rPr lang="zh-TW" altLang="en-US" smtClean="0"/>
-              <a:t>2022/5/14</a:t>
+              <a:t>2023/10/28</a:t>
             </a:fld>
             <a:endParaRPr lang="zh-TW" altLang="en-US"/>
           </a:p>
@@ -2694,7 +2694,7 @@
           <a:p>
             <a:fld id="{3EB72CF3-F9D6-4BC3-8DD7-E7C0861F26F4}" type="datetimeFigureOut">
               <a:rPr lang="zh-TW" altLang="en-US" smtClean="0"/>
-              <a:t>2022/5/14</a:t>
+              <a:t>2023/10/28</a:t>
             </a:fld>
             <a:endParaRPr lang="zh-TW" altLang="en-US"/>
           </a:p>
@@ -3076,7 +3076,7 @@
         </p:nvSpPr>
         <p:spPr>
           <a:xfrm>
-            <a:off x="0" y="2143135"/>
+            <a:off x="0" y="2067694"/>
             <a:ext cx="9144000" cy="857250"/>
           </a:xfrm>
         </p:spPr>
@@ -3214,8 +3214,8 @@
         </p:nvSpPr>
         <p:spPr>
           <a:xfrm>
-            <a:off x="0" y="3867894"/>
-            <a:ext cx="9143867" cy="600164"/>
+            <a:off x="0" y="3906366"/>
+            <a:ext cx="9143867" cy="523220"/>
           </a:xfrm>
           <a:prstGeom prst="rect">
             <a:avLst/>
@@ -3230,7 +3230,7 @@
           <a:p>
             <a:pPr algn="ctr"/>
             <a:r>
-              <a:rPr lang="en-US" sz="3300" b="1" dirty="0">
+              <a:rPr lang="en-US" sz="2800" b="1" dirty="0">
                 <a:solidFill>
                   <a:srgbClr val="660033"/>
                 </a:solidFill>
@@ -3241,7 +3241,7 @@
               <a:t>( </a:t>
             </a:r>
             <a:r>
-              <a:rPr lang="zh-CN" altLang="en-US" sz="3300" b="1" dirty="0">
+              <a:rPr lang="zh-CN" altLang="en-US" sz="2800" b="1" dirty="0" smtClean="0">
                 <a:solidFill>
                   <a:srgbClr val="660033"/>
                 </a:solidFill>
@@ -3249,10 +3249,10 @@
                 <a:latin typeface="Microsoft JhengHei" panose="020B0604030504040204" pitchFamily="34" charset="-120"/>
                 <a:ea typeface="Microsoft JhengHei" panose="020B0604030504040204" pitchFamily="34" charset="-120"/>
               </a:rPr>
-              <a:t>正</a:t>
-            </a:r>
-            <a:r>
-              <a:rPr lang="en-US" sz="3300" b="1" dirty="0">
+              <a:t>正歌</a:t>
+            </a:r>
+            <a:r>
+              <a:rPr lang="en-US" sz="2800" b="1" dirty="0" smtClean="0">
                 <a:solidFill>
                   <a:srgbClr val="660033"/>
                 </a:solidFill>
@@ -3260,9 +3260,20 @@
                 <a:latin typeface="Microsoft JhengHei" panose="020B0604030504040204" pitchFamily="34" charset="-120"/>
                 <a:ea typeface="Microsoft JhengHei" panose="020B0604030504040204" pitchFamily="34" charset="-120"/>
               </a:rPr>
-              <a:t> )</a:t>
-            </a:r>
-            <a:endParaRPr lang="vi-VN" sz="3300" b="1" dirty="0">
+              <a:t> </a:t>
+            </a:r>
+            <a:r>
+              <a:rPr lang="en-US" sz="2800" b="1" dirty="0">
+                <a:solidFill>
+                  <a:srgbClr val="660033"/>
+                </a:solidFill>
+                <a:effectLst/>
+                <a:latin typeface="Microsoft JhengHei" panose="020B0604030504040204" pitchFamily="34" charset="-120"/>
+                <a:ea typeface="Microsoft JhengHei" panose="020B0604030504040204" pitchFamily="34" charset="-120"/>
+              </a:rPr>
+              <a:t>)</a:t>
+            </a:r>
+            <a:endParaRPr lang="vi-VN" sz="2800" b="1" dirty="0">
               <a:solidFill>
                 <a:srgbClr val="660033"/>
               </a:solidFill>
@@ -3363,8 +3374,8 @@
         </p:nvSpPr>
         <p:spPr>
           <a:xfrm>
-            <a:off x="0" y="3867894"/>
-            <a:ext cx="9143867" cy="600164"/>
+            <a:off x="0" y="3906366"/>
+            <a:ext cx="9143867" cy="523220"/>
           </a:xfrm>
           <a:prstGeom prst="rect">
             <a:avLst/>
@@ -3379,43 +3390,40 @@
           <a:p>
             <a:pPr algn="ctr"/>
             <a:r>
-              <a:rPr lang="en-US" sz="3300" b="1" dirty="0">
+              <a:rPr lang="en-US" sz="2800" b="1" dirty="0">
                 <a:solidFill>
                   <a:srgbClr val="660033"/>
                 </a:solidFill>
-                <a:effectLst/>
                 <a:latin typeface="Microsoft JhengHei" panose="020B0604030504040204" pitchFamily="34" charset="-120"/>
                 <a:ea typeface="Microsoft JhengHei" panose="020B0604030504040204" pitchFamily="34" charset="-120"/>
               </a:rPr>
               <a:t>( </a:t>
             </a:r>
             <a:r>
-              <a:rPr lang="zh-CN" altLang="en-US" sz="3300" b="1" dirty="0">
+              <a:rPr lang="zh-CN" altLang="en-US" sz="2800" b="1" dirty="0">
                 <a:solidFill>
                   <a:srgbClr val="660033"/>
                 </a:solidFill>
-                <a:effectLst/>
                 <a:latin typeface="Microsoft JhengHei" panose="020B0604030504040204" pitchFamily="34" charset="-120"/>
                 <a:ea typeface="Microsoft JhengHei" panose="020B0604030504040204" pitchFamily="34" charset="-120"/>
               </a:rPr>
-              <a:t>正</a:t>
-            </a:r>
-            <a:r>
-              <a:rPr lang="en-US" sz="3300" b="1" dirty="0">
+              <a:t>正歌</a:t>
+            </a:r>
+            <a:r>
+              <a:rPr lang="en-US" sz="2800" b="1" dirty="0">
                 <a:solidFill>
                   <a:srgbClr val="660033"/>
                 </a:solidFill>
-                <a:effectLst/>
                 <a:latin typeface="Microsoft JhengHei" panose="020B0604030504040204" pitchFamily="34" charset="-120"/>
                 <a:ea typeface="Microsoft JhengHei" panose="020B0604030504040204" pitchFamily="34" charset="-120"/>
               </a:rPr>
               <a:t> )</a:t>
             </a:r>
-            <a:endParaRPr lang="vi-VN" sz="3300" b="1" dirty="0">
+            <a:endParaRPr lang="vi-VN" sz="2800" b="1" dirty="0">
               <a:solidFill>
                 <a:srgbClr val="660033"/>
               </a:solidFill>
-              <a:effectLst/>
+              <a:latin typeface="Microsoft JhengHei" panose="020B0604030504040204" pitchFamily="34" charset="-120"/>
               <a:ea typeface="Microsoft JhengHei" panose="020B0604030504040204" pitchFamily="34" charset="-120"/>
             </a:endParaRPr>
           </a:p>
@@ -3512,8 +3520,8 @@
         </p:nvSpPr>
         <p:spPr>
           <a:xfrm>
-            <a:off x="0" y="3867894"/>
-            <a:ext cx="9143867" cy="600164"/>
+            <a:off x="0" y="3906366"/>
+            <a:ext cx="9143867" cy="523220"/>
           </a:xfrm>
           <a:prstGeom prst="rect">
             <a:avLst/>
@@ -3528,54 +3536,40 @@
           <a:p>
             <a:pPr algn="ctr"/>
             <a:r>
-              <a:rPr lang="en-US" sz="3300" b="1" dirty="0">
+              <a:rPr lang="en-US" sz="2800" b="1" dirty="0">
                 <a:solidFill>
                   <a:srgbClr val="660033"/>
                 </a:solidFill>
-                <a:effectLst/>
                 <a:latin typeface="Microsoft JhengHei" panose="020B0604030504040204" pitchFamily="34" charset="-120"/>
                 <a:ea typeface="Microsoft JhengHei" panose="020B0604030504040204" pitchFamily="34" charset="-120"/>
               </a:rPr>
               <a:t>( </a:t>
             </a:r>
             <a:r>
-              <a:rPr lang="zh-CN" altLang="en-US" sz="3300" b="1" dirty="0" smtClean="0">
+              <a:rPr lang="zh-CN" altLang="en-US" sz="2800" b="1" dirty="0">
                 <a:solidFill>
                   <a:srgbClr val="660033"/>
                 </a:solidFill>
-                <a:effectLst/>
                 <a:latin typeface="Microsoft JhengHei" panose="020B0604030504040204" pitchFamily="34" charset="-120"/>
                 <a:ea typeface="Microsoft JhengHei" panose="020B0604030504040204" pitchFamily="34" charset="-120"/>
               </a:rPr>
-              <a:t>副</a:t>
-            </a:r>
-            <a:r>
-              <a:rPr lang="en-US" sz="3300" b="1" dirty="0" smtClean="0">
+              <a:t>副歌</a:t>
+            </a:r>
+            <a:r>
+              <a:rPr lang="en-US" sz="2800" b="1" dirty="0">
                 <a:solidFill>
                   <a:srgbClr val="660033"/>
                 </a:solidFill>
-                <a:effectLst/>
                 <a:latin typeface="Microsoft JhengHei" panose="020B0604030504040204" pitchFamily="34" charset="-120"/>
                 <a:ea typeface="Microsoft JhengHei" panose="020B0604030504040204" pitchFamily="34" charset="-120"/>
               </a:rPr>
-              <a:t> </a:t>
-            </a:r>
-            <a:r>
-              <a:rPr lang="en-US" sz="3300" b="1" dirty="0">
-                <a:solidFill>
-                  <a:srgbClr val="660033"/>
-                </a:solidFill>
-                <a:effectLst/>
-                <a:latin typeface="Microsoft JhengHei" panose="020B0604030504040204" pitchFamily="34" charset="-120"/>
-                <a:ea typeface="Microsoft JhengHei" panose="020B0604030504040204" pitchFamily="34" charset="-120"/>
-              </a:rPr>
-              <a:t>)</a:t>
-            </a:r>
-            <a:endParaRPr lang="vi-VN" sz="3300" b="1" dirty="0">
+              <a:t> )</a:t>
+            </a:r>
+            <a:endParaRPr lang="vi-VN" sz="2800" b="1" dirty="0">
               <a:solidFill>
                 <a:srgbClr val="660033"/>
               </a:solidFill>
-              <a:effectLst/>
+              <a:latin typeface="Microsoft JhengHei" panose="020B0604030504040204" pitchFamily="34" charset="-120"/>
               <a:ea typeface="Microsoft JhengHei" panose="020B0604030504040204" pitchFamily="34" charset="-120"/>
             </a:endParaRPr>
           </a:p>
@@ -3672,8 +3666,8 @@
         </p:nvSpPr>
         <p:spPr>
           <a:xfrm>
-            <a:off x="0" y="3867894"/>
-            <a:ext cx="9143867" cy="600164"/>
+            <a:off x="0" y="3906366"/>
+            <a:ext cx="9143867" cy="523220"/>
           </a:xfrm>
           <a:prstGeom prst="rect">
             <a:avLst/>
@@ -3688,54 +3682,40 @@
           <a:p>
             <a:pPr algn="ctr"/>
             <a:r>
-              <a:rPr lang="en-US" sz="3300" b="1" dirty="0">
+              <a:rPr lang="en-US" sz="2800" b="1" dirty="0">
                 <a:solidFill>
                   <a:srgbClr val="660033"/>
                 </a:solidFill>
-                <a:effectLst/>
                 <a:latin typeface="Microsoft JhengHei" panose="020B0604030504040204" pitchFamily="34" charset="-120"/>
                 <a:ea typeface="Microsoft JhengHei" panose="020B0604030504040204" pitchFamily="34" charset="-120"/>
               </a:rPr>
               <a:t>( </a:t>
             </a:r>
             <a:r>
-              <a:rPr lang="zh-CN" altLang="en-US" sz="3300" b="1" dirty="0" smtClean="0">
+              <a:rPr lang="zh-CN" altLang="en-US" sz="2800" b="1" dirty="0">
                 <a:solidFill>
                   <a:srgbClr val="660033"/>
                 </a:solidFill>
-                <a:effectLst/>
                 <a:latin typeface="Microsoft JhengHei" panose="020B0604030504040204" pitchFamily="34" charset="-120"/>
                 <a:ea typeface="Microsoft JhengHei" panose="020B0604030504040204" pitchFamily="34" charset="-120"/>
               </a:rPr>
-              <a:t>副</a:t>
-            </a:r>
-            <a:r>
-              <a:rPr lang="en-US" sz="3300" b="1" dirty="0" smtClean="0">
+              <a:t>副歌</a:t>
+            </a:r>
+            <a:r>
+              <a:rPr lang="en-US" sz="2800" b="1" dirty="0">
                 <a:solidFill>
                   <a:srgbClr val="660033"/>
                 </a:solidFill>
-                <a:effectLst/>
                 <a:latin typeface="Microsoft JhengHei" panose="020B0604030504040204" pitchFamily="34" charset="-120"/>
                 <a:ea typeface="Microsoft JhengHei" panose="020B0604030504040204" pitchFamily="34" charset="-120"/>
               </a:rPr>
-              <a:t> </a:t>
-            </a:r>
-            <a:r>
-              <a:rPr lang="en-US" sz="3300" b="1" dirty="0">
-                <a:solidFill>
-                  <a:srgbClr val="660033"/>
-                </a:solidFill>
-                <a:effectLst/>
-                <a:latin typeface="Microsoft JhengHei" panose="020B0604030504040204" pitchFamily="34" charset="-120"/>
-                <a:ea typeface="Microsoft JhengHei" panose="020B0604030504040204" pitchFamily="34" charset="-120"/>
-              </a:rPr>
-              <a:t>)</a:t>
-            </a:r>
-            <a:endParaRPr lang="vi-VN" sz="3300" b="1" dirty="0">
+              <a:t> )</a:t>
+            </a:r>
+            <a:endParaRPr lang="vi-VN" sz="2800" b="1" dirty="0">
               <a:solidFill>
                 <a:srgbClr val="660033"/>
               </a:solidFill>
-              <a:effectLst/>
+              <a:latin typeface="Microsoft JhengHei" panose="020B0604030504040204" pitchFamily="34" charset="-120"/>
               <a:ea typeface="Microsoft JhengHei" panose="020B0604030504040204" pitchFamily="34" charset="-120"/>
             </a:endParaRPr>
           </a:p>
